--- a/Slides/MiCM_Stats_RNAseq.pptx
+++ b/Slides/MiCM_Stats_RNAseq.pptx
@@ -9,7 +9,7 @@
     <p:notesMasterId r:id="rId42"/>
   </p:notesMasterIdLst>
   <p:sldIdLst>
-    <p:sldId id="316" r:id="rId6"/>
+    <p:sldId id="319" r:id="rId6"/>
     <p:sldId id="262" r:id="rId7"/>
     <p:sldId id="277" r:id="rId8"/>
     <p:sldId id="547" r:id="rId9"/>
@@ -44,7 +44,7 @@
     <p:sldId id="523" r:id="rId38"/>
     <p:sldId id="567" r:id="rId39"/>
     <p:sldId id="566" r:id="rId40"/>
-    <p:sldId id="562" r:id="rId41"/>
+    <p:sldId id="569" r:id="rId41"/>
   </p:sldIdLst>
   <p:sldSz cx="9144000" cy="6858000" type="screen4x3"/>
   <p:notesSz cx="6858000" cy="9144000"/>
@@ -1373,7 +1373,7 @@
           <a:p>
             <a:fld id="{217E5156-1B5D-054E-B5B2-E1B1BA160252}" type="datetimeFigureOut">
               <a:rPr lang="fr-FR" smtClean="0"/>
-              <a:t>06/10/2025</a:t>
+              <a:t>15/10/2025</a:t>
             </a:fld>
             <a:endParaRPr lang="fr-FR"/>
           </a:p>
@@ -8281,10 +8281,10 @@
       </p:grpSpPr>
       <p:sp>
         <p:nvSpPr>
-          <p:cNvPr id="4" name="Titre 3">
+          <p:cNvPr id="2" name="Title 1">
             <a:extLst>
               <a:ext uri="{FF2B5EF4-FFF2-40B4-BE49-F238E27FC236}">
-                <a16:creationId xmlns:a16="http://schemas.microsoft.com/office/drawing/2014/main" id="{A45C165F-BC2D-0A42-B582-A27AE4DBB9CF}"/>
+                <a16:creationId xmlns:a16="http://schemas.microsoft.com/office/drawing/2014/main" id="{D00E5286-1891-091E-0A97-9054934A1789}"/>
               </a:ext>
             </a:extLst>
           </p:cNvPr>
@@ -8295,7 +8295,12 @@
             <p:ph type="title"/>
           </p:nvPr>
         </p:nvSpPr>
-        <p:spPr/>
+        <p:spPr>
+          <a:xfrm>
+            <a:off x="623888" y="1507951"/>
+            <a:ext cx="7886700" cy="2108497"/>
+          </a:xfrm>
+        </p:spPr>
         <p:txBody>
           <a:bodyPr/>
           <a:lstStyle/>
@@ -8307,12 +8312,102 @@
           </a:p>
         </p:txBody>
       </p:sp>
+      <p:pic>
+        <p:nvPicPr>
+          <p:cNvPr id="4" name="Picture 3" descr="Red text on a black background&#10;&#10;AI-generated content may be incorrect.">
+            <a:extLst>
+              <a:ext uri="{FF2B5EF4-FFF2-40B4-BE49-F238E27FC236}">
+                <a16:creationId xmlns:a16="http://schemas.microsoft.com/office/drawing/2014/main" id="{A2FE0C31-F6DC-2AA7-13F4-1C02AECDA550}"/>
+              </a:ext>
+            </a:extLst>
+          </p:cNvPr>
+          <p:cNvPicPr>
+            <a:picLocks noChangeAspect="1"/>
+          </p:cNvPicPr>
+          <p:nvPr/>
+        </p:nvPicPr>
+        <p:blipFill>
+          <a:blip r:embed="rId2"/>
+          <a:stretch>
+            <a:fillRect/>
+          </a:stretch>
+        </p:blipFill>
+        <p:spPr>
+          <a:xfrm>
+            <a:off x="2346369" y="4132288"/>
+            <a:ext cx="4460789" cy="1374545"/>
+          </a:xfrm>
+          <a:prstGeom prst="rect">
+            <a:avLst/>
+          </a:prstGeom>
+        </p:spPr>
+      </p:pic>
+      <p:pic>
+        <p:nvPicPr>
+          <p:cNvPr id="6" name="Picture 5" descr="A red and blue logo&#10;&#10;AI-generated content may be incorrect.">
+            <a:extLst>
+              <a:ext uri="{FF2B5EF4-FFF2-40B4-BE49-F238E27FC236}">
+                <a16:creationId xmlns:a16="http://schemas.microsoft.com/office/drawing/2014/main" id="{5D2370CE-06EA-B22D-19E3-EA1730C85EB2}"/>
+              </a:ext>
+            </a:extLst>
+          </p:cNvPr>
+          <p:cNvPicPr>
+            <a:picLocks noChangeAspect="1"/>
+          </p:cNvPicPr>
+          <p:nvPr/>
+        </p:nvPicPr>
+        <p:blipFill>
+          <a:blip r:embed="rId3"/>
+          <a:stretch>
+            <a:fillRect/>
+          </a:stretch>
+        </p:blipFill>
+        <p:spPr>
+          <a:xfrm>
+            <a:off x="4877447" y="5517161"/>
+            <a:ext cx="4056488" cy="886339"/>
+          </a:xfrm>
+          <a:prstGeom prst="rect">
+            <a:avLst/>
+          </a:prstGeom>
+        </p:spPr>
+      </p:pic>
+      <p:pic>
+        <p:nvPicPr>
+          <p:cNvPr id="8" name="Picture 7" descr="A logo with text on it&#10;&#10;AI-generated content may be incorrect.">
+            <a:extLst>
+              <a:ext uri="{FF2B5EF4-FFF2-40B4-BE49-F238E27FC236}">
+                <a16:creationId xmlns:a16="http://schemas.microsoft.com/office/drawing/2014/main" id="{CC444B2C-F0D5-0B49-2C90-446E90039D1C}"/>
+              </a:ext>
+            </a:extLst>
+          </p:cNvPr>
+          <p:cNvPicPr>
+            <a:picLocks noChangeAspect="1"/>
+          </p:cNvPicPr>
+          <p:nvPr/>
+        </p:nvPicPr>
+        <p:blipFill>
+          <a:blip r:embed="rId4"/>
+          <a:stretch>
+            <a:fillRect/>
+          </a:stretch>
+        </p:blipFill>
+        <p:spPr>
+          <a:xfrm>
+            <a:off x="510750" y="5506833"/>
+            <a:ext cx="4056488" cy="896667"/>
+          </a:xfrm>
+          <a:prstGeom prst="rect">
+            <a:avLst/>
+          </a:prstGeom>
+        </p:spPr>
+      </p:pic>
       <p:sp>
         <p:nvSpPr>
           <p:cNvPr id="3" name="TextBox 2">
             <a:extLst>
               <a:ext uri="{FF2B5EF4-FFF2-40B4-BE49-F238E27FC236}">
-                <a16:creationId xmlns:a16="http://schemas.microsoft.com/office/drawing/2014/main" id="{96C280B3-3AFE-7AE6-A319-73E9753171F5}"/>
+                <a16:creationId xmlns:a16="http://schemas.microsoft.com/office/drawing/2014/main" id="{E77D7773-132F-DE6C-FB67-A254F7F61EBE}"/>
               </a:ext>
             </a:extLst>
           </p:cNvPr>
@@ -8321,8 +8416,8 @@
         </p:nvSpPr>
         <p:spPr>
           <a:xfrm>
-            <a:off x="696624" y="5152087"/>
-            <a:ext cx="4904509" cy="646587"/>
+            <a:off x="6079687" y="3606026"/>
+            <a:ext cx="2320066" cy="646587"/>
           </a:xfrm>
           <a:prstGeom prst="rect">
             <a:avLst/>
@@ -8335,12 +8430,14 @@
           </a:bodyPr>
           <a:lstStyle/>
           <a:p>
+            <a:pPr algn="r"/>
             <a:r>
               <a:rPr lang="en-CA" dirty="0"/>
               <a:t>Instructor: Ryan Huang</a:t>
             </a:r>
           </a:p>
           <a:p>
+            <a:pPr algn="r"/>
             <a:r>
               <a:rPr lang="en-CA" dirty="0"/>
               <a:t>Oct. 22, 2025</a:t>
@@ -8351,7 +8448,7 @@
     </p:spTree>
     <p:extLst>
       <p:ext uri="{BB962C8B-B14F-4D97-AF65-F5344CB8AC3E}">
-        <p14:creationId xmlns:p14="http://schemas.microsoft.com/office/powerpoint/2010/main" val="2389275097"/>
+        <p14:creationId xmlns:p14="http://schemas.microsoft.com/office/powerpoint/2010/main" val="1632539052"/>
       </p:ext>
     </p:extLst>
   </p:cSld>
@@ -18887,13 +18984,7 @@
   <p:cSld>
     <p:spTree>
       <p:nvGrpSpPr>
-        <p:cNvPr id="1" name="">
-          <a:extLst>
-            <a:ext uri="{FF2B5EF4-FFF2-40B4-BE49-F238E27FC236}">
-              <a16:creationId xmlns:a16="http://schemas.microsoft.com/office/drawing/2014/main" id="{80366191-75C8-B488-F178-48C41125F02D}"/>
-            </a:ext>
-          </a:extLst>
-        </p:cNvPr>
+        <p:cNvPr id="1" name=""/>
         <p:cNvGrpSpPr/>
         <p:nvPr/>
       </p:nvGrpSpPr>
@@ -18905,12 +18996,220 @@
           <a:chExt cx="0" cy="0"/>
         </a:xfrm>
       </p:grpSpPr>
+      <p:pic>
+        <p:nvPicPr>
+          <p:cNvPr id="4" name="Picture 3" descr="Red text on a black background&#10;&#10;AI-generated content may be incorrect.">
+            <a:extLst>
+              <a:ext uri="{FF2B5EF4-FFF2-40B4-BE49-F238E27FC236}">
+                <a16:creationId xmlns:a16="http://schemas.microsoft.com/office/drawing/2014/main" id="{A2FE0C31-F6DC-2AA7-13F4-1C02AECDA550}"/>
+              </a:ext>
+            </a:extLst>
+          </p:cNvPr>
+          <p:cNvPicPr>
+            <a:picLocks noChangeAspect="1"/>
+          </p:cNvPicPr>
+          <p:nvPr/>
+        </p:nvPicPr>
+        <p:blipFill>
+          <a:blip r:embed="rId2"/>
+          <a:stretch>
+            <a:fillRect/>
+          </a:stretch>
+        </p:blipFill>
+        <p:spPr>
+          <a:xfrm>
+            <a:off x="2346369" y="4132288"/>
+            <a:ext cx="4460789" cy="1374545"/>
+          </a:xfrm>
+          <a:prstGeom prst="rect">
+            <a:avLst/>
+          </a:prstGeom>
+        </p:spPr>
+      </p:pic>
+      <p:pic>
+        <p:nvPicPr>
+          <p:cNvPr id="6" name="Picture 5" descr="A red and blue logo&#10;&#10;AI-generated content may be incorrect.">
+            <a:extLst>
+              <a:ext uri="{FF2B5EF4-FFF2-40B4-BE49-F238E27FC236}">
+                <a16:creationId xmlns:a16="http://schemas.microsoft.com/office/drawing/2014/main" id="{5D2370CE-06EA-B22D-19E3-EA1730C85EB2}"/>
+              </a:ext>
+            </a:extLst>
+          </p:cNvPr>
+          <p:cNvPicPr>
+            <a:picLocks noChangeAspect="1"/>
+          </p:cNvPicPr>
+          <p:nvPr/>
+        </p:nvPicPr>
+        <p:blipFill>
+          <a:blip r:embed="rId3"/>
+          <a:stretch>
+            <a:fillRect/>
+          </a:stretch>
+        </p:blipFill>
+        <p:spPr>
+          <a:xfrm>
+            <a:off x="4877447" y="5517161"/>
+            <a:ext cx="4056488" cy="886339"/>
+          </a:xfrm>
+          <a:prstGeom prst="rect">
+            <a:avLst/>
+          </a:prstGeom>
+        </p:spPr>
+      </p:pic>
+      <p:pic>
+        <p:nvPicPr>
+          <p:cNvPr id="8" name="Picture 7" descr="A logo with text on it&#10;&#10;AI-generated content may be incorrect.">
+            <a:extLst>
+              <a:ext uri="{FF2B5EF4-FFF2-40B4-BE49-F238E27FC236}">
+                <a16:creationId xmlns:a16="http://schemas.microsoft.com/office/drawing/2014/main" id="{CC444B2C-F0D5-0B49-2C90-446E90039D1C}"/>
+              </a:ext>
+            </a:extLst>
+          </p:cNvPr>
+          <p:cNvPicPr>
+            <a:picLocks noChangeAspect="1"/>
+          </p:cNvPicPr>
+          <p:nvPr/>
+        </p:nvPicPr>
+        <p:blipFill>
+          <a:blip r:embed="rId4"/>
+          <a:stretch>
+            <a:fillRect/>
+          </a:stretch>
+        </p:blipFill>
+        <p:spPr>
+          <a:xfrm>
+            <a:off x="510750" y="5506833"/>
+            <a:ext cx="4056488" cy="896667"/>
+          </a:xfrm>
+          <a:prstGeom prst="rect">
+            <a:avLst/>
+          </a:prstGeom>
+        </p:spPr>
+      </p:pic>
       <p:sp>
         <p:nvSpPr>
-          <p:cNvPr id="2" name="Title 1">
+          <p:cNvPr id="3" name="TextBox 2">
             <a:extLst>
               <a:ext uri="{FF2B5EF4-FFF2-40B4-BE49-F238E27FC236}">
-                <a16:creationId xmlns:a16="http://schemas.microsoft.com/office/drawing/2014/main" id="{875F77F1-B159-8B79-E3DD-4B858F466F78}"/>
+                <a16:creationId xmlns:a16="http://schemas.microsoft.com/office/drawing/2014/main" id="{13E08723-039C-8339-0373-FCDC84347B86}"/>
+              </a:ext>
+            </a:extLst>
+          </p:cNvPr>
+          <p:cNvSpPr txBox="1"/>
+          <p:nvPr/>
+        </p:nvSpPr>
+        <p:spPr>
+          <a:xfrm>
+            <a:off x="510750" y="1351167"/>
+            <a:ext cx="8021782" cy="3417859"/>
+          </a:xfrm>
+          <a:prstGeom prst="rect">
+            <a:avLst/>
+          </a:prstGeom>
+          <a:noFill/>
+        </p:spPr>
+        <p:txBody>
+          <a:bodyPr wrap="square" rtlCol="0">
+            <a:spAutoFit/>
+          </a:bodyPr>
+          <a:lstStyle/>
+          <a:p>
+            <a:pPr marL="342900" indent="-342900">
+              <a:buFont typeface="Arial" panose="020B0604020202020204" pitchFamily="34" charset="0"/>
+              <a:buChar char="•"/>
+            </a:pPr>
+            <a:r>
+              <a:rPr lang="en-CA" b="1" dirty="0"/>
+              <a:t>Past </a:t>
+            </a:r>
+            <a:r>
+              <a:rPr lang="en-CA" b="1" dirty="0" err="1"/>
+              <a:t>MiCM</a:t>
+            </a:r>
+            <a:r>
+              <a:rPr lang="en-CA" b="1" dirty="0"/>
+              <a:t> slides: Intro to RNA-seq and Statistics in R (Adrien Osakwe)</a:t>
+            </a:r>
+          </a:p>
+          <a:p>
+            <a:pPr marL="342900" indent="-342900">
+              <a:buFont typeface="Arial" panose="020B0604020202020204" pitchFamily="34" charset="0"/>
+              <a:buChar char="•"/>
+            </a:pPr>
+            <a:r>
+              <a:rPr lang="en-CA" b="1" dirty="0"/>
+              <a:t>QLSC600 slides: myself and Megan Ng</a:t>
+            </a:r>
+          </a:p>
+          <a:p>
+            <a:pPr marL="342900" indent="-342900">
+              <a:buFont typeface="Arial" panose="020B0604020202020204" pitchFamily="34" charset="0"/>
+              <a:buChar char="•"/>
+            </a:pPr>
+            <a:r>
+              <a:rPr lang="en-CA" b="1" dirty="0"/>
+              <a:t>RNA-seq lecture by Peter N. Robinson</a:t>
+            </a:r>
+          </a:p>
+          <a:p>
+            <a:pPr marL="342900" indent="-342900">
+              <a:buFont typeface="Arial" panose="020B0604020202020204" pitchFamily="34" charset="0"/>
+              <a:buChar char="•"/>
+            </a:pPr>
+            <a:r>
+              <a:rPr lang="en-CA" b="1" dirty="0"/>
+              <a:t>Tutorial from Berge and Clement: </a:t>
+            </a:r>
+            <a:r>
+              <a:rPr lang="en-CA" b="1" dirty="0">
+                <a:solidFill>
+                  <a:srgbClr val="6B9F25"/>
+                </a:solidFill>
+                <a:hlinkClick r:id="rId5">
+                  <a:extLst>
+                    <a:ext uri="{A12FA001-AC4F-418D-AE19-62706E023703}">
+                      <ahyp:hlinkClr xmlns:ahyp="http://schemas.microsoft.com/office/drawing/2018/hyperlinkcolor" val="tx"/>
+                    </a:ext>
+                  </a:extLst>
+                </a:hlinkClick>
+              </a:rPr>
+              <a:t>https://statomics.github.io/SGA/sequencing_countData.html</a:t>
+            </a:r>
+            <a:endParaRPr lang="en-CA" b="1" dirty="0"/>
+          </a:p>
+          <a:p>
+            <a:endParaRPr lang="en-CA" b="1" dirty="0"/>
+          </a:p>
+          <a:p>
+            <a:pPr marL="342900" indent="-342900">
+              <a:buFont typeface="Arial" panose="020B0604020202020204" pitchFamily="34" charset="0"/>
+              <a:buChar char="•"/>
+            </a:pPr>
+            <a:r>
+              <a:rPr lang="en-CA" b="1" dirty="0"/>
+              <a:t>Sample data from </a:t>
+            </a:r>
+          </a:p>
+          <a:p>
+            <a:r>
+              <a:rPr lang="en-CA" b="1" dirty="0"/>
+              <a:t>Scheckel C, Drapeau E, Frias MA, Park CY et al. Regulatory consequences of neuronal ELAV-like protein binding to coding and non-coding RNAs in human brain. Elife 2016 Feb 19;5. PMID: 26894958</a:t>
+            </a:r>
+          </a:p>
+          <a:p>
+            <a:endParaRPr lang="en-CA" b="1" dirty="0"/>
+          </a:p>
+          <a:p>
+            <a:endParaRPr lang="en-CA" b="1" dirty="0"/>
+          </a:p>
+        </p:txBody>
+      </p:sp>
+      <p:sp>
+        <p:nvSpPr>
+          <p:cNvPr id="5" name="Title 1">
+            <a:extLst>
+              <a:ext uri="{FF2B5EF4-FFF2-40B4-BE49-F238E27FC236}">
+                <a16:creationId xmlns:a16="http://schemas.microsoft.com/office/drawing/2014/main" id="{AB9D39C7-A33D-A3BE-4C78-03D2AB6A3239}"/>
               </a:ext>
             </a:extLst>
           </p:cNvPr>
@@ -18923,145 +19222,28 @@
         </p:nvSpPr>
         <p:spPr>
           <a:xfrm>
-            <a:off x="498736" y="697276"/>
-            <a:ext cx="8520600" cy="871751"/>
+            <a:off x="3322816" y="274466"/>
+            <a:ext cx="5611119" cy="871751"/>
           </a:xfrm>
         </p:spPr>
         <p:txBody>
           <a:bodyPr>
-            <a:normAutofit/>
+            <a:noAutofit/>
           </a:bodyPr>
           <a:lstStyle/>
           <a:p>
-            <a:r>
-              <a:rPr lang="en-CA" dirty="0"/>
+            <a:pPr algn="r"/>
+            <a:r>
+              <a:rPr lang="en-CA" sz="3600" dirty="0"/>
               <a:t>Acknowledgements and References</a:t>
             </a:r>
-          </a:p>
-        </p:txBody>
-      </p:sp>
-      <p:sp>
-        <p:nvSpPr>
-          <p:cNvPr id="4" name="TextBox 3">
-            <a:extLst>
-              <a:ext uri="{FF2B5EF4-FFF2-40B4-BE49-F238E27FC236}">
-                <a16:creationId xmlns:a16="http://schemas.microsoft.com/office/drawing/2014/main" id="{69F51400-8FF6-41F9-316F-AB6E36DE2685}"/>
-              </a:ext>
-            </a:extLst>
-          </p:cNvPr>
-          <p:cNvSpPr txBox="1"/>
-          <p:nvPr/>
-        </p:nvSpPr>
-        <p:spPr>
-          <a:xfrm>
-            <a:off x="498736" y="1800088"/>
-            <a:ext cx="8021782" cy="3417859"/>
-          </a:xfrm>
-          <a:prstGeom prst="rect">
-            <a:avLst/>
-          </a:prstGeom>
-          <a:noFill/>
-        </p:spPr>
-        <p:txBody>
-          <a:bodyPr wrap="square" rtlCol="0">
-            <a:spAutoFit/>
-          </a:bodyPr>
-          <a:lstStyle/>
-          <a:p>
-            <a:pPr marL="342900" indent="-342900">
-              <a:buFont typeface="Arial" panose="020B0604020202020204" pitchFamily="34" charset="0"/>
-              <a:buChar char="•"/>
-            </a:pPr>
-            <a:r>
-              <a:rPr lang="en-CA" b="1" dirty="0"/>
-              <a:t>Past </a:t>
-            </a:r>
-            <a:r>
-              <a:rPr lang="en-CA" b="1" dirty="0" err="1"/>
-              <a:t>MiCM</a:t>
-            </a:r>
-            <a:r>
-              <a:rPr lang="en-CA" b="1" dirty="0"/>
-              <a:t> slides: Intro to RNA-seq and Statistics in R (Adrien Osakwe)</a:t>
-            </a:r>
-          </a:p>
-          <a:p>
-            <a:pPr marL="342900" indent="-342900">
-              <a:buFont typeface="Arial" panose="020B0604020202020204" pitchFamily="34" charset="0"/>
-              <a:buChar char="•"/>
-            </a:pPr>
-            <a:r>
-              <a:rPr lang="en-CA" b="1" dirty="0"/>
-              <a:t>QLSC600 slides: myself and Megan Ng</a:t>
-            </a:r>
-          </a:p>
-          <a:p>
-            <a:pPr marL="342900" indent="-342900">
-              <a:buFont typeface="Arial" panose="020B0604020202020204" pitchFamily="34" charset="0"/>
-              <a:buChar char="•"/>
-            </a:pPr>
-            <a:r>
-              <a:rPr lang="en-CA" b="1" dirty="0"/>
-              <a:t>RNA-seq lecture by Peter N. Robinson</a:t>
-            </a:r>
-          </a:p>
-          <a:p>
-            <a:pPr marL="342900" indent="-342900">
-              <a:buFont typeface="Arial" panose="020B0604020202020204" pitchFamily="34" charset="0"/>
-              <a:buChar char="•"/>
-            </a:pPr>
-            <a:r>
-              <a:rPr lang="en-CA" b="1" dirty="0"/>
-              <a:t>Tutorial from Berge and Clement: </a:t>
-            </a:r>
-            <a:r>
-              <a:rPr lang="en-CA" b="1" dirty="0">
-                <a:solidFill>
-                  <a:srgbClr val="6B9F25"/>
-                </a:solidFill>
-                <a:hlinkClick r:id="rId2">
-                  <a:extLst>
-                    <a:ext uri="{A12FA001-AC4F-418D-AE19-62706E023703}">
-                      <ahyp:hlinkClr xmlns:ahyp="http://schemas.microsoft.com/office/drawing/2018/hyperlinkcolor" val="tx"/>
-                    </a:ext>
-                  </a:extLst>
-                </a:hlinkClick>
-              </a:rPr>
-              <a:t>https://statomics.github.io/SGA/sequencing_countData.html</a:t>
-            </a:r>
-            <a:endParaRPr lang="en-CA" b="1" dirty="0"/>
-          </a:p>
-          <a:p>
-            <a:endParaRPr lang="en-CA" b="1" dirty="0"/>
-          </a:p>
-          <a:p>
-            <a:pPr marL="342900" indent="-342900">
-              <a:buFont typeface="Arial" panose="020B0604020202020204" pitchFamily="34" charset="0"/>
-              <a:buChar char="•"/>
-            </a:pPr>
-            <a:r>
-              <a:rPr lang="en-CA" b="1" dirty="0"/>
-              <a:t>Sample data from </a:t>
-            </a:r>
-          </a:p>
-          <a:p>
-            <a:r>
-              <a:rPr lang="en-CA" b="1" dirty="0"/>
-              <a:t>Scheckel C, Drapeau E, Frias MA, Park CY et al. Regulatory consequences of neuronal ELAV-like protein binding to coding and non-coding RNAs in human brain. Elife 2016 Feb 19;5. PMID: 26894958</a:t>
-            </a:r>
-          </a:p>
-          <a:p>
-            <a:endParaRPr lang="en-CA" b="1" dirty="0"/>
-          </a:p>
-          <a:p>
-            <a:endParaRPr lang="en-CA" b="1" dirty="0"/>
           </a:p>
         </p:txBody>
       </p:sp>
     </p:spTree>
     <p:extLst>
       <p:ext uri="{BB962C8B-B14F-4D97-AF65-F5344CB8AC3E}">
-        <p14:creationId xmlns:p14="http://schemas.microsoft.com/office/powerpoint/2010/main" val="2457127284"/>
+        <p14:creationId xmlns:p14="http://schemas.microsoft.com/office/powerpoint/2010/main" val="2510974554"/>
       </p:ext>
     </p:extLst>
   </p:cSld>
@@ -21599,15 +21781,6 @@
 </file>
 
 <file path=customXml/item1.xml><?xml version="1.0" encoding="utf-8"?>
-<?mso-contentType ?>
-<FormTemplates xmlns="http://schemas.microsoft.com/sharepoint/v3/contenttype/forms">
-  <Display>DocumentLibraryForm</Display>
-  <Edit>DocumentLibraryForm</Edit>
-  <New>DocumentLibraryForm</New>
-</FormTemplates>
-</file>
-
-<file path=customXml/item2.xml><?xml version="1.0" encoding="utf-8"?>
 <ct:contentTypeSchema xmlns:ct="http://schemas.microsoft.com/office/2006/metadata/contentType" xmlns:ma="http://schemas.microsoft.com/office/2006/metadata/properties/metaAttributes" ct:_="" ma:_="" ma:contentTypeName="Document" ma:contentTypeID="0x0101006EF577C8FE5D874C9CEC15964C265B0B" ma:contentTypeVersion="18" ma:contentTypeDescription="Create a new document." ma:contentTypeScope="" ma:versionID="b5b85860d85a39939875685a74abed7e">
   <xsd:schema xmlns:xsd="http://www.w3.org/2001/XMLSchema" xmlns:xs="http://www.w3.org/2001/XMLSchema" xmlns:p="http://schemas.microsoft.com/office/2006/metadata/properties" xmlns:ns3="40cfa2c9-1ad5-4987-8821-92577427747a" xmlns:ns4="2d0ab2d2-13db-47b5-abcb-bcddb615ace5" targetNamespace="http://schemas.microsoft.com/office/2006/metadata/properties" ma:root="true" ma:fieldsID="83bb5d34d71862227e313cc4bcf9c447" ns3:_="" ns4:_="">
     <xsd:import namespace="40cfa2c9-1ad5-4987-8821-92577427747a"/>
@@ -21860,6 +22033,15 @@
 </ct:contentTypeSchema>
 </file>
 
+<file path=customXml/item2.xml><?xml version="1.0" encoding="utf-8"?>
+<?mso-contentType ?>
+<FormTemplates xmlns="http://schemas.microsoft.com/sharepoint/v3/contenttype/forms">
+  <Display>DocumentLibraryForm</Display>
+  <Edit>DocumentLibraryForm</Edit>
+  <New>DocumentLibraryForm</New>
+</FormTemplates>
+</file>
+
 <file path=customXml/item3.xml><?xml version="1.0" encoding="utf-8"?>
 <p:properties xmlns:p="http://schemas.microsoft.com/office/2006/metadata/properties" xmlns:xsi="http://www.w3.org/2001/XMLSchema-instance" xmlns:pc="http://schemas.microsoft.com/office/infopath/2007/PartnerControls">
   <documentManagement>
@@ -21869,14 +22051,6 @@
 </file>
 
 <file path=customXml/itemProps1.xml><?xml version="1.0" encoding="utf-8"?>
-<ds:datastoreItem xmlns:ds="http://schemas.openxmlformats.org/officeDocument/2006/customXml" ds:itemID="{92B4619A-6AB4-4FEB-8E8A-0B4EE8D36E7C}">
-  <ds:schemaRefs>
-    <ds:schemaRef ds:uri="http://schemas.microsoft.com/sharepoint/v3/contenttype/forms"/>
-  </ds:schemaRefs>
-</ds:datastoreItem>
-</file>
-
-<file path=customXml/itemProps2.xml><?xml version="1.0" encoding="utf-8"?>
 <ds:datastoreItem xmlns:ds="http://schemas.openxmlformats.org/officeDocument/2006/customXml" ds:itemID="{E2F2E6B4-8101-49F9-8E57-0B625D53FB3B}">
   <ds:schemaRefs>
     <ds:schemaRef ds:uri="http://schemas.microsoft.com/office/2006/metadata/contentType"/>
@@ -21891,6 +22065,14 @@
     <ds:schemaRef ds:uri="http://purl.org/dc/elements/1.1/"/>
     <ds:schemaRef ds:uri="http://purl.org/dc/terms/"/>
     <ds:schemaRef ds:uri="http://schemas.microsoft.com/internal/obd"/>
+  </ds:schemaRefs>
+</ds:datastoreItem>
+</file>
+
+<file path=customXml/itemProps2.xml><?xml version="1.0" encoding="utf-8"?>
+<ds:datastoreItem xmlns:ds="http://schemas.openxmlformats.org/officeDocument/2006/customXml" ds:itemID="{92B4619A-6AB4-4FEB-8E8A-0B4EE8D36E7C}">
+  <ds:schemaRefs>
+    <ds:schemaRef ds:uri="http://schemas.microsoft.com/sharepoint/v3/contenttype/forms"/>
   </ds:schemaRefs>
 </ds:datastoreItem>
 </file>
